--- a/АКМС/AKMS_4.pptx
+++ b/АКМС/AKMS_4.pptx
@@ -840,7 +840,7 @@
           <a:p>
             <a:fld id="{02C8E5D9-69A9-41E9-939E-968E2B8F1200}" type="datetimeFigureOut">
               <a:rPr lang="ru-RU" smtClean="0"/>
-              <a:t>31.03.2024</a:t>
+              <a:t>01.04.2024</a:t>
             </a:fld>
             <a:endParaRPr lang="ru-RU"/>
           </a:p>
@@ -1091,7 +1091,7 @@
           <a:p>
             <a:fld id="{02C8E5D9-69A9-41E9-939E-968E2B8F1200}" type="datetimeFigureOut">
               <a:rPr lang="ru-RU" smtClean="0"/>
-              <a:t>31.03.2024</a:t>
+              <a:t>01.04.2024</a:t>
             </a:fld>
             <a:endParaRPr lang="ru-RU"/>
           </a:p>
@@ -1405,7 +1405,7 @@
           <a:p>
             <a:fld id="{02C8E5D9-69A9-41E9-939E-968E2B8F1200}" type="datetimeFigureOut">
               <a:rPr lang="ru-RU" smtClean="0"/>
-              <a:t>31.03.2024</a:t>
+              <a:t>01.04.2024</a:t>
             </a:fld>
             <a:endParaRPr lang="ru-RU"/>
           </a:p>
@@ -1746,7 +1746,7 @@
           <a:p>
             <a:fld id="{02C8E5D9-69A9-41E9-939E-968E2B8F1200}" type="datetimeFigureOut">
               <a:rPr lang="ru-RU" smtClean="0"/>
-              <a:t>31.03.2024</a:t>
+              <a:t>01.04.2024</a:t>
             </a:fld>
             <a:endParaRPr lang="ru-RU"/>
           </a:p>
@@ -2060,7 +2060,7 @@
           <a:p>
             <a:fld id="{02C8E5D9-69A9-41E9-939E-968E2B8F1200}" type="datetimeFigureOut">
               <a:rPr lang="ru-RU" smtClean="0"/>
-              <a:t>31.03.2024</a:t>
+              <a:t>01.04.2024</a:t>
             </a:fld>
             <a:endParaRPr lang="ru-RU"/>
           </a:p>
@@ -2453,7 +2453,7 @@
           <a:p>
             <a:fld id="{02C8E5D9-69A9-41E9-939E-968E2B8F1200}" type="datetimeFigureOut">
               <a:rPr lang="ru-RU" smtClean="0"/>
-              <a:t>31.03.2024</a:t>
+              <a:t>01.04.2024</a:t>
             </a:fld>
             <a:endParaRPr lang="ru-RU"/>
           </a:p>
@@ -2623,7 +2623,7 @@
           <a:p>
             <a:fld id="{02C8E5D9-69A9-41E9-939E-968E2B8F1200}" type="datetimeFigureOut">
               <a:rPr lang="ru-RU" smtClean="0"/>
-              <a:t>31.03.2024</a:t>
+              <a:t>01.04.2024</a:t>
             </a:fld>
             <a:endParaRPr lang="ru-RU"/>
           </a:p>
@@ -2803,7 +2803,7 @@
           <a:p>
             <a:fld id="{02C8E5D9-69A9-41E9-939E-968E2B8F1200}" type="datetimeFigureOut">
               <a:rPr lang="ru-RU" smtClean="0"/>
-              <a:t>31.03.2024</a:t>
+              <a:t>01.04.2024</a:t>
             </a:fld>
             <a:endParaRPr lang="ru-RU"/>
           </a:p>
@@ -2979,7 +2979,7 @@
           <a:p>
             <a:fld id="{02C8E5D9-69A9-41E9-939E-968E2B8F1200}" type="datetimeFigureOut">
               <a:rPr lang="ru-RU" smtClean="0"/>
-              <a:t>31.03.2024</a:t>
+              <a:t>01.04.2024</a:t>
             </a:fld>
             <a:endParaRPr lang="ru-RU"/>
           </a:p>
@@ -3226,7 +3226,7 @@
           <a:p>
             <a:fld id="{02C8E5D9-69A9-41E9-939E-968E2B8F1200}" type="datetimeFigureOut">
               <a:rPr lang="ru-RU" smtClean="0"/>
-              <a:t>31.03.2024</a:t>
+              <a:t>01.04.2024</a:t>
             </a:fld>
             <a:endParaRPr lang="ru-RU"/>
           </a:p>
@@ -3458,7 +3458,7 @@
           <a:p>
             <a:fld id="{02C8E5D9-69A9-41E9-939E-968E2B8F1200}" type="datetimeFigureOut">
               <a:rPr lang="ru-RU" smtClean="0"/>
-              <a:t>31.03.2024</a:t>
+              <a:t>01.04.2024</a:t>
             </a:fld>
             <a:endParaRPr lang="ru-RU"/>
           </a:p>
@@ -3832,7 +3832,7 @@
           <a:p>
             <a:fld id="{02C8E5D9-69A9-41E9-939E-968E2B8F1200}" type="datetimeFigureOut">
               <a:rPr lang="ru-RU" smtClean="0"/>
-              <a:t>31.03.2024</a:t>
+              <a:t>01.04.2024</a:t>
             </a:fld>
             <a:endParaRPr lang="ru-RU"/>
           </a:p>
@@ -3955,7 +3955,7 @@
           <a:p>
             <a:fld id="{02C8E5D9-69A9-41E9-939E-968E2B8F1200}" type="datetimeFigureOut">
               <a:rPr lang="ru-RU" smtClean="0"/>
-              <a:t>31.03.2024</a:t>
+              <a:t>01.04.2024</a:t>
             </a:fld>
             <a:endParaRPr lang="ru-RU"/>
           </a:p>
@@ -4050,7 +4050,7 @@
           <a:p>
             <a:fld id="{02C8E5D9-69A9-41E9-939E-968E2B8F1200}" type="datetimeFigureOut">
               <a:rPr lang="ru-RU" smtClean="0"/>
-              <a:t>31.03.2024</a:t>
+              <a:t>01.04.2024</a:t>
             </a:fld>
             <a:endParaRPr lang="ru-RU"/>
           </a:p>
@@ -4305,7 +4305,7 @@
           <a:p>
             <a:fld id="{02C8E5D9-69A9-41E9-939E-968E2B8F1200}" type="datetimeFigureOut">
               <a:rPr lang="ru-RU" smtClean="0"/>
-              <a:t>31.03.2024</a:t>
+              <a:t>01.04.2024</a:t>
             </a:fld>
             <a:endParaRPr lang="ru-RU"/>
           </a:p>
@@ -4568,7 +4568,7 @@
           <a:p>
             <a:fld id="{02C8E5D9-69A9-41E9-939E-968E2B8F1200}" type="datetimeFigureOut">
               <a:rPr lang="ru-RU" smtClean="0"/>
-              <a:t>31.03.2024</a:t>
+              <a:t>01.04.2024</a:t>
             </a:fld>
             <a:endParaRPr lang="ru-RU"/>
           </a:p>
@@ -5311,7 +5311,7 @@
           <a:p>
             <a:fld id="{02C8E5D9-69A9-41E9-939E-968E2B8F1200}" type="datetimeFigureOut">
               <a:rPr lang="ru-RU" smtClean="0"/>
-              <a:t>31.03.2024</a:t>
+              <a:t>01.04.2024</a:t>
             </a:fld>
             <a:endParaRPr lang="ru-RU"/>
           </a:p>
@@ -6637,10 +6637,10 @@
       </p:sp>
       <p:pic>
         <p:nvPicPr>
-          <p:cNvPr id="5" name="Рисунок 4">
+          <p:cNvPr id="6" name="Рисунок 5">
             <a:extLst>
               <a:ext uri="{FF2B5EF4-FFF2-40B4-BE49-F238E27FC236}">
-                <a16:creationId xmlns:a16="http://schemas.microsoft.com/office/drawing/2014/main" id="{4F82E877-ABA3-45ED-AD2A-873523B94006}"/>
+                <a16:creationId xmlns:a16="http://schemas.microsoft.com/office/drawing/2014/main" id="{82B6DF3B-456F-48D6-AEFE-92BB4F9659D8}"/>
               </a:ext>
             </a:extLst>
           </p:cNvPr>
@@ -6655,8 +6655,8 @@
         </p:blipFill>
         <p:spPr>
           <a:xfrm>
-            <a:off x="5614851" y="2594504"/>
-            <a:ext cx="5940425" cy="2397125"/>
+            <a:off x="5649575" y="2710251"/>
+            <a:ext cx="5940425" cy="2383790"/>
           </a:xfrm>
           <a:prstGeom prst="rect">
             <a:avLst/>
@@ -6778,14 +6778,14 @@
           <p:nvPr>
             <p:extLst>
               <p:ext uri="{D42A27DB-BD31-4B8C-83A1-F6EECF244321}">
-                <p14:modId xmlns:p14="http://schemas.microsoft.com/office/powerpoint/2010/main" val="3712710498"/>
+                <p14:modId xmlns:p14="http://schemas.microsoft.com/office/powerpoint/2010/main" val="2559707930"/>
               </p:ext>
             </p:extLst>
           </p:nvPr>
         </p:nvGraphicFramePr>
         <p:xfrm>
-          <a:off x="1989667" y="2404533"/>
-          <a:ext cx="8678332" cy="3840162"/>
+          <a:off x="1931794" y="2265636"/>
+          <a:ext cx="8678332" cy="4216189"/>
         </p:xfrm>
         <a:graphic>
           <a:graphicData uri="http://schemas.openxmlformats.org/drawingml/2006/table">
@@ -6823,7 +6823,7 @@
                   </a:extLst>
                 </a:gridCol>
               </a:tblGrid>
-              <a:tr h="264139">
+              <a:tr h="251041">
                 <a:tc>
                   <a:txBody>
                     <a:bodyPr/>
@@ -6934,7 +6934,7 @@
                   </a:ext>
                 </a:extLst>
               </a:tr>
-              <a:tr h="596004">
+              <a:tr h="566450">
                 <a:tc>
                   <a:txBody>
                     <a:bodyPr/>
@@ -7041,7 +7041,7 @@
                   </a:ext>
                 </a:extLst>
               </a:tr>
-              <a:tr h="894005">
+              <a:tr h="849673">
                 <a:tc>
                   <a:txBody>
                     <a:bodyPr/>
@@ -7124,15 +7124,15 @@
                     <a:p>
                       <a:pPr algn="just"/>
                       <a:r>
-                        <a:rPr lang="ru-RU" sz="1200" kern="100" dirty="0">
+                        <a:rPr lang="ru-RU" sz="1200" kern="100">
                           <a:effectLst/>
                           <a:latin typeface="Times New Roman" panose="02020603050405020304" pitchFamily="18" charset="0"/>
                           <a:ea typeface="Droid Sans Fallback"/>
                           <a:cs typeface="Times New Roman" panose="02020603050405020304" pitchFamily="18" charset="0"/>
                         </a:rPr>
-                        <a:t>База данных семинаров</a:t>
+                        <a:t>Список семинаров</a:t>
                       </a:r>
-                      <a:endParaRPr lang="ru-RU" sz="1200" kern="100" dirty="0">
+                      <a:endParaRPr lang="ru-RU" sz="1200" kern="100">
                         <a:effectLst/>
                         <a:latin typeface="Times New Roman" panose="02020603050405020304" pitchFamily="18" charset="0"/>
                         <a:ea typeface="Droid Sans Fallback"/>
@@ -7148,7 +7148,7 @@
                   </a:ext>
                 </a:extLst>
               </a:tr>
-              <a:tr h="596004">
+              <a:tr h="566450">
                 <a:tc>
                   <a:txBody>
                     <a:bodyPr/>
@@ -7162,9 +7162,116 @@
                           <a:ea typeface="Droid Sans Fallback"/>
                           <a:cs typeface="Times New Roman" panose="02020603050405020304" pitchFamily="18" charset="0"/>
                         </a:rPr>
-                        <a:t>База данных семинаров</a:t>
+                        <a:t>Список семинаров</a:t>
                       </a:r>
                       <a:endParaRPr lang="ru-RU" sz="1200" kern="100">
+                        <a:effectLst/>
+                        <a:latin typeface="Times New Roman" panose="02020603050405020304" pitchFamily="18" charset="0"/>
+                        <a:ea typeface="Droid Sans Fallback"/>
+                        <a:cs typeface="FreeSans"/>
+                      </a:endParaRPr>
+                    </a:p>
+                  </a:txBody>
+                  <a:tcPr marL="68580" marR="68580" marT="0" marB="0"/>
+                </a:tc>
+                <a:tc>
+                  <a:txBody>
+                    <a:bodyPr/>
+                    <a:lstStyle/>
+                    <a:p>
+                      <a:pPr algn="just"/>
+                      <a:r>
+                        <a:rPr lang="ru-RU" sz="1200" kern="100">
+                          <a:effectLst/>
+                          <a:latin typeface="Times New Roman" panose="02020603050405020304" pitchFamily="18" charset="0"/>
+                          <a:ea typeface="Droid Sans Fallback"/>
+                          <a:cs typeface="Times New Roman" panose="02020603050405020304" pitchFamily="18" charset="0"/>
+                        </a:rPr>
+                        <a:t>Ответное</a:t>
+                      </a:r>
+                      <a:endParaRPr lang="ru-RU" sz="1200" kern="100">
+                        <a:effectLst/>
+                        <a:latin typeface="Times New Roman" panose="02020603050405020304" pitchFamily="18" charset="0"/>
+                        <a:ea typeface="Droid Sans Fallback"/>
+                        <a:cs typeface="FreeSans"/>
+                      </a:endParaRPr>
+                    </a:p>
+                  </a:txBody>
+                  <a:tcPr marL="68580" marR="68580" marT="0" marB="0"/>
+                </a:tc>
+                <a:tc>
+                  <a:txBody>
+                    <a:bodyPr/>
+                    <a:lstStyle/>
+                    <a:p>
+                      <a:pPr algn="just"/>
+                      <a:r>
+                        <a:rPr lang="ru-RU" sz="1200" kern="100">
+                          <a:effectLst/>
+                          <a:latin typeface="Times New Roman" panose="02020603050405020304" pitchFamily="18" charset="0"/>
+                          <a:ea typeface="Droid Sans Fallback"/>
+                          <a:cs typeface="Times New Roman" panose="02020603050405020304" pitchFamily="18" charset="0"/>
+                        </a:rPr>
+                        <a:t>Передача истории семинаров</a:t>
+                      </a:r>
+                      <a:endParaRPr lang="ru-RU" sz="1200" kern="100">
+                        <a:effectLst/>
+                        <a:latin typeface="Times New Roman" panose="02020603050405020304" pitchFamily="18" charset="0"/>
+                        <a:ea typeface="Droid Sans Fallback"/>
+                        <a:cs typeface="FreeSans"/>
+                      </a:endParaRPr>
+                    </a:p>
+                  </a:txBody>
+                  <a:tcPr marL="68580" marR="68580" marT="0" marB="0"/>
+                </a:tc>
+                <a:tc>
+                  <a:txBody>
+                    <a:bodyPr/>
+                    <a:lstStyle/>
+                    <a:p>
+                      <a:pPr algn="just"/>
+                      <a:r>
+                        <a:rPr lang="ru-RU" sz="1200" kern="100">
+                          <a:effectLst/>
+                          <a:latin typeface="Times New Roman" panose="02020603050405020304" pitchFamily="18" charset="0"/>
+                          <a:ea typeface="Droid Sans Fallback"/>
+                          <a:cs typeface="Times New Roman" panose="02020603050405020304" pitchFamily="18" charset="0"/>
+                        </a:rPr>
+                        <a:t>Учебный отдел</a:t>
+                      </a:r>
+                      <a:endParaRPr lang="ru-RU" sz="1200" kern="100">
+                        <a:effectLst/>
+                        <a:latin typeface="Times New Roman" panose="02020603050405020304" pitchFamily="18" charset="0"/>
+                        <a:ea typeface="Droid Sans Fallback"/>
+                        <a:cs typeface="FreeSans"/>
+                      </a:endParaRPr>
+                    </a:p>
+                  </a:txBody>
+                  <a:tcPr marL="68580" marR="68580" marT="0" marB="0"/>
+                </a:tc>
+                <a:extLst>
+                  <a:ext uri="{0D108BD9-81ED-4DB2-BD59-A6C34878D82A}">
+                    <a16:rowId xmlns:a16="http://schemas.microsoft.com/office/drawing/2014/main" val="1456719682"/>
+                  </a:ext>
+                </a:extLst>
+              </a:tr>
+              <a:tr h="566450">
+                <a:tc>
+                  <a:txBody>
+                    <a:bodyPr/>
+                    <a:lstStyle/>
+                    <a:p>
+                      <a:pPr algn="just"/>
+                      <a:r>
+                        <a:rPr lang="ru-RU" sz="1200" kern="100" dirty="0">
+                          <a:effectLst/>
+                          <a:latin typeface="Times New Roman" panose="02020603050405020304" pitchFamily="18" charset="0"/>
+                          <a:ea typeface="Droid Sans Fallback"/>
+                          <a:cs typeface="Times New Roman" panose="02020603050405020304" pitchFamily="18" charset="0"/>
+                        </a:rPr>
+                        <a:t>Учебный отдел</a:t>
+                      </a:r>
+                      <a:endParaRPr lang="ru-RU" sz="1200" kern="100" dirty="0">
                         <a:effectLst/>
                         <a:latin typeface="Times New Roman" panose="02020603050405020304" pitchFamily="18" charset="0"/>
                         <a:ea typeface="Droid Sans Fallback"/>
@@ -7206,15 +7313,15 @@
                     <a:p>
                       <a:pPr algn="just"/>
                       <a:r>
-                        <a:rPr lang="ru-RU" sz="1200" kern="100">
+                        <a:rPr lang="ru-RU" sz="1200" kern="100" dirty="0">
                           <a:effectLst/>
                           <a:latin typeface="Times New Roman" panose="02020603050405020304" pitchFamily="18" charset="0"/>
                           <a:ea typeface="Droid Sans Fallback"/>
                           <a:cs typeface="Times New Roman" panose="02020603050405020304" pitchFamily="18" charset="0"/>
                         </a:rPr>
-                        <a:t>Передача списка семинаров</a:t>
+                        <a:t>Передача истории семинаров на проверку</a:t>
                       </a:r>
-                      <a:endParaRPr lang="ru-RU" sz="1200" kern="100">
+                      <a:endParaRPr lang="ru-RU" sz="1200" kern="100" dirty="0">
                         <a:effectLst/>
                         <a:latin typeface="Times New Roman" panose="02020603050405020304" pitchFamily="18" charset="0"/>
                         <a:ea typeface="Droid Sans Fallback"/>
@@ -7237,7 +7344,7 @@
                           <a:ea typeface="Droid Sans Fallback"/>
                           <a:cs typeface="Times New Roman" panose="02020603050405020304" pitchFamily="18" charset="0"/>
                         </a:rPr>
-                        <a:t> </a:t>
+                        <a:t>Слушатель</a:t>
                       </a:r>
                       <a:endParaRPr lang="ru-RU" sz="1200" kern="100">
                         <a:effectLst/>
@@ -7251,11 +7358,11 @@
                 </a:tc>
                 <a:extLst>
                   <a:ext uri="{0D108BD9-81ED-4DB2-BD59-A6C34878D82A}">
-                    <a16:rowId xmlns:a16="http://schemas.microsoft.com/office/drawing/2014/main" val="1456719682"/>
+                    <a16:rowId xmlns:a16="http://schemas.microsoft.com/office/drawing/2014/main" val="3115724174"/>
                   </a:ext>
                 </a:extLst>
               </a:tr>
-              <a:tr h="596004">
+              <a:tr h="283225">
                 <a:tc>
                   <a:txBody>
                     <a:bodyPr/>
@@ -7358,11 +7465,11 @@
                 </a:tc>
                 <a:extLst>
                   <a:ext uri="{0D108BD9-81ED-4DB2-BD59-A6C34878D82A}">
-                    <a16:rowId xmlns:a16="http://schemas.microsoft.com/office/drawing/2014/main" val="3115724174"/>
+                    <a16:rowId xmlns:a16="http://schemas.microsoft.com/office/drawing/2014/main" val="2435944882"/>
                   </a:ext>
                 </a:extLst>
               </a:tr>
-              <a:tr h="298002">
+              <a:tr h="566450">
                 <a:tc>
                   <a:txBody>
                     <a:bodyPr/>
@@ -7445,7 +7552,7 @@
                     <a:p>
                       <a:pPr algn="just"/>
                       <a:r>
-                        <a:rPr lang="ru-RU" sz="1200" kern="100">
+                        <a:rPr lang="ru-RU" sz="1200" kern="100" dirty="0">
                           <a:effectLst/>
                           <a:latin typeface="Times New Roman" panose="02020603050405020304" pitchFamily="18" charset="0"/>
                           <a:ea typeface="Droid Sans Fallback"/>
@@ -7453,7 +7560,7 @@
                         </a:rPr>
                         <a:t>Учебный отдел</a:t>
                       </a:r>
-                      <a:endParaRPr lang="ru-RU" sz="1200" kern="100">
+                      <a:endParaRPr lang="ru-RU" sz="1200" kern="100" dirty="0">
                         <a:effectLst/>
                         <a:latin typeface="Times New Roman" panose="02020603050405020304" pitchFamily="18" charset="0"/>
                         <a:ea typeface="Droid Sans Fallback"/>
@@ -7465,11 +7572,11 @@
                 </a:tc>
                 <a:extLst>
                   <a:ext uri="{0D108BD9-81ED-4DB2-BD59-A6C34878D82A}">
-                    <a16:rowId xmlns:a16="http://schemas.microsoft.com/office/drawing/2014/main" val="2435944882"/>
+                    <a16:rowId xmlns:a16="http://schemas.microsoft.com/office/drawing/2014/main" val="1974899941"/>
                   </a:ext>
                 </a:extLst>
               </a:tr>
-              <a:tr h="596004">
+              <a:tr h="566450">
                 <a:tc>
                   <a:txBody>
                     <a:bodyPr/>
@@ -7477,7 +7584,7 @@
                     <a:p>
                       <a:pPr algn="just"/>
                       <a:r>
-                        <a:rPr lang="ru-RU" sz="1200" kern="100">
+                        <a:rPr lang="ru-RU" sz="1200" kern="100" dirty="0">
                           <a:effectLst/>
                           <a:latin typeface="Times New Roman" panose="02020603050405020304" pitchFamily="18" charset="0"/>
                           <a:ea typeface="Droid Sans Fallback"/>
@@ -7485,7 +7592,7 @@
                         </a:rPr>
                         <a:t>Учебный отдел</a:t>
                       </a:r>
-                      <a:endParaRPr lang="ru-RU" sz="1200" kern="100">
+                      <a:endParaRPr lang="ru-RU" sz="1200" kern="100" dirty="0">
                         <a:effectLst/>
                         <a:latin typeface="Times New Roman" panose="02020603050405020304" pitchFamily="18" charset="0"/>
                         <a:ea typeface="Droid Sans Fallback"/>
@@ -7572,7 +7679,7 @@
                 </a:tc>
                 <a:extLst>
                   <a:ext uri="{0D108BD9-81ED-4DB2-BD59-A6C34878D82A}">
-                    <a16:rowId xmlns:a16="http://schemas.microsoft.com/office/drawing/2014/main" val="1974899941"/>
+                    <a16:rowId xmlns:a16="http://schemas.microsoft.com/office/drawing/2014/main" val="70519686"/>
                   </a:ext>
                 </a:extLst>
               </a:tr>
@@ -7612,10 +7719,10 @@
       </p:grpSpPr>
       <p:pic>
         <p:nvPicPr>
-          <p:cNvPr id="6" name="Рисунок 5">
+          <p:cNvPr id="5" name="Рисунок 4">
             <a:extLst>
               <a:ext uri="{FF2B5EF4-FFF2-40B4-BE49-F238E27FC236}">
-                <a16:creationId xmlns:a16="http://schemas.microsoft.com/office/drawing/2014/main" id="{A864BC32-63F6-44FA-9D01-C30F6FEEC0B9}"/>
+                <a16:creationId xmlns:a16="http://schemas.microsoft.com/office/drawing/2014/main" id="{6716A150-43B9-482C-92BC-C8BC8EB54F80}"/>
               </a:ext>
             </a:extLst>
           </p:cNvPr>
@@ -7630,8 +7737,8 @@
         </p:blipFill>
         <p:spPr>
           <a:xfrm>
-            <a:off x="315686" y="1800755"/>
-            <a:ext cx="8278812" cy="3678979"/>
+            <a:off x="834000" y="2180445"/>
+            <a:ext cx="7755081" cy="3591958"/>
           </a:xfrm>
           <a:prstGeom prst="rect">
             <a:avLst/>
@@ -7747,84 +7854,12 @@
           <a:chExt cx="0" cy="0"/>
         </a:xfrm>
       </p:grpSpPr>
-      <p:sp>
-        <p:nvSpPr>
-          <p:cNvPr id="2" name="Заголовок 1"/>
-          <p:cNvSpPr>
-            <a:spLocks noGrp="1"/>
-          </p:cNvSpPr>
-          <p:nvPr>
-            <p:ph type="title"/>
-          </p:nvPr>
-        </p:nvSpPr>
-        <p:spPr>
-          <a:xfrm>
-            <a:off x="0" y="0"/>
-            <a:ext cx="8596668" cy="1320800"/>
-          </a:xfrm>
-        </p:spPr>
-        <p:txBody>
-          <a:bodyPr/>
-          <a:lstStyle/>
-          <a:p>
-            <a:pPr algn="ctr"/>
-            <a:r>
-              <a:rPr lang="ru-RU" b="1" dirty="0">
-                <a:latin typeface="Times New Roman" panose="02020603050405020304" pitchFamily="18" charset="0"/>
-                <a:cs typeface="Times New Roman" panose="02020603050405020304" pitchFamily="18" charset="0"/>
-              </a:rPr>
-              <a:t>Диаграмма последовательности по варианту учебного проекта</a:t>
-            </a:r>
-          </a:p>
-        </p:txBody>
-      </p:sp>
-      <p:sp>
-        <p:nvSpPr>
-          <p:cNvPr id="3" name="Объект 2"/>
-          <p:cNvSpPr>
-            <a:spLocks noGrp="1"/>
-          </p:cNvSpPr>
-          <p:nvPr>
-            <p:ph idx="1"/>
-          </p:nvPr>
-        </p:nvSpPr>
-        <p:spPr>
-          <a:xfrm>
-            <a:off x="145773" y="1320800"/>
-            <a:ext cx="5127171" cy="4740049"/>
-          </a:xfrm>
-        </p:spPr>
-        <p:txBody>
-          <a:bodyPr>
-            <a:normAutofit/>
-          </a:bodyPr>
-          <a:lstStyle/>
-          <a:p>
-            <a:pPr marL="0" indent="450000">
-              <a:lnSpc>
-                <a:spcPct val="150000"/>
-              </a:lnSpc>
-              <a:spcBef>
-                <a:spcPts val="0"/>
-              </a:spcBef>
-              <a:buNone/>
-            </a:pPr>
-            <a:r>
-              <a:rPr lang="ru-RU" sz="2000" dirty="0">
-                <a:latin typeface="Times New Roman" panose="02020603050405020304" pitchFamily="18" charset="0"/>
-                <a:cs typeface="Times New Roman" panose="02020603050405020304" pitchFamily="18" charset="0"/>
-              </a:rPr>
-              <a:t>Построим модель отношений между объектами (диаграмма последовательности) рассматриваемой системы (варианта учебного проекта) в рамках одного прецедента.</a:t>
-            </a:r>
-          </a:p>
-        </p:txBody>
-      </p:sp>
       <p:pic>
         <p:nvPicPr>
-          <p:cNvPr id="5" name="Рисунок 4">
+          <p:cNvPr id="6" name="Рисунок 5">
             <a:extLst>
               <a:ext uri="{FF2B5EF4-FFF2-40B4-BE49-F238E27FC236}">
-                <a16:creationId xmlns:a16="http://schemas.microsoft.com/office/drawing/2014/main" id="{E9D91500-D779-4DBB-A5D4-AD802579C98A}"/>
+                <a16:creationId xmlns:a16="http://schemas.microsoft.com/office/drawing/2014/main" id="{3264780C-5AD4-4A0D-A7E2-669DACDD8130}"/>
               </a:ext>
             </a:extLst>
           </p:cNvPr>
@@ -7839,42 +7874,86 @@
         </p:blipFill>
         <p:spPr>
           <a:xfrm>
-            <a:off x="7535110" y="660400"/>
-            <a:ext cx="4284356" cy="1320800"/>
+            <a:off x="4298334" y="2034768"/>
+            <a:ext cx="7575374" cy="4574376"/>
           </a:xfrm>
           <a:prstGeom prst="rect">
             <a:avLst/>
           </a:prstGeom>
         </p:spPr>
       </p:pic>
-      <p:pic>
-        <p:nvPicPr>
-          <p:cNvPr id="7" name="Рисунок 6">
-            <a:extLst>
-              <a:ext uri="{FF2B5EF4-FFF2-40B4-BE49-F238E27FC236}">
-                <a16:creationId xmlns:a16="http://schemas.microsoft.com/office/drawing/2014/main" id="{BECF04EE-F165-42E0-B58F-5C5B12B56141}"/>
-              </a:ext>
-            </a:extLst>
-          </p:cNvPr>
-          <p:cNvPicPr/>
-          <p:nvPr/>
-        </p:nvPicPr>
-        <p:blipFill>
-          <a:blip r:embed="rId3"/>
-          <a:stretch>
-            <a:fillRect/>
-          </a:stretch>
-        </p:blipFill>
+      <p:sp>
+        <p:nvSpPr>
+          <p:cNvPr id="2" name="Заголовок 1"/>
+          <p:cNvSpPr>
+            <a:spLocks noGrp="1"/>
+          </p:cNvSpPr>
+          <p:nvPr>
+            <p:ph type="title"/>
+          </p:nvPr>
+        </p:nvSpPr>
         <p:spPr>
           <a:xfrm>
-            <a:off x="4596647" y="2641600"/>
-            <a:ext cx="5876925" cy="3743325"/>
+            <a:off x="0" y="0"/>
+            <a:ext cx="8596668" cy="1320800"/>
           </a:xfrm>
-          <a:prstGeom prst="rect">
-            <a:avLst/>
-          </a:prstGeom>
         </p:spPr>
-      </p:pic>
+        <p:txBody>
+          <a:bodyPr/>
+          <a:lstStyle/>
+          <a:p>
+            <a:pPr algn="ctr"/>
+            <a:r>
+              <a:rPr lang="ru-RU" b="1" dirty="0">
+                <a:latin typeface="Times New Roman" panose="02020603050405020304" pitchFamily="18" charset="0"/>
+                <a:cs typeface="Times New Roman" panose="02020603050405020304" pitchFamily="18" charset="0"/>
+              </a:rPr>
+              <a:t>Диаграмма последовательности по варианту учебного проекта</a:t>
+            </a:r>
+          </a:p>
+        </p:txBody>
+      </p:sp>
+      <p:sp>
+        <p:nvSpPr>
+          <p:cNvPr id="3" name="Объект 2"/>
+          <p:cNvSpPr>
+            <a:spLocks noGrp="1"/>
+          </p:cNvSpPr>
+          <p:nvPr>
+            <p:ph idx="1"/>
+          </p:nvPr>
+        </p:nvSpPr>
+        <p:spPr>
+          <a:xfrm>
+            <a:off x="145773" y="1320800"/>
+            <a:ext cx="5127171" cy="4740049"/>
+          </a:xfrm>
+        </p:spPr>
+        <p:txBody>
+          <a:bodyPr>
+            <a:normAutofit/>
+          </a:bodyPr>
+          <a:lstStyle/>
+          <a:p>
+            <a:pPr marL="0" indent="450000">
+              <a:lnSpc>
+                <a:spcPct val="150000"/>
+              </a:lnSpc>
+              <a:spcBef>
+                <a:spcPts val="0"/>
+              </a:spcBef>
+              <a:buNone/>
+            </a:pPr>
+            <a:r>
+              <a:rPr lang="ru-RU" sz="2000" dirty="0">
+                <a:latin typeface="Times New Roman" panose="02020603050405020304" pitchFamily="18" charset="0"/>
+                <a:cs typeface="Times New Roman" panose="02020603050405020304" pitchFamily="18" charset="0"/>
+              </a:rPr>
+              <a:t>Построим модель отношений между объектами (диаграмма последовательности) рассматриваемой системы (варианта учебного проекта) в рамках одного прецедента.</a:t>
+            </a:r>
+          </a:p>
+        </p:txBody>
+      </p:sp>
     </p:spTree>
     <p:extLst>
       <p:ext uri="{BB962C8B-B14F-4D97-AF65-F5344CB8AC3E}">
@@ -7907,10 +7986,10 @@
       </p:grpSpPr>
       <p:pic>
         <p:nvPicPr>
-          <p:cNvPr id="5" name="Рисунок 4">
+          <p:cNvPr id="7" name="Рисунок 6">
             <a:extLst>
               <a:ext uri="{FF2B5EF4-FFF2-40B4-BE49-F238E27FC236}">
-                <a16:creationId xmlns:a16="http://schemas.microsoft.com/office/drawing/2014/main" id="{76BBD7F7-C7E9-44E7-8C2C-C4328D36553D}"/>
+                <a16:creationId xmlns:a16="http://schemas.microsoft.com/office/drawing/2014/main" id="{40647332-A816-4DB7-ACA9-6AAA10C4D4D6}"/>
               </a:ext>
             </a:extLst>
           </p:cNvPr>
@@ -7925,8 +8004,8 @@
         </p:blipFill>
         <p:spPr>
           <a:xfrm>
-            <a:off x="1103691" y="1897062"/>
-            <a:ext cx="7348238" cy="3448579"/>
+            <a:off x="1516906" y="2858843"/>
+            <a:ext cx="5940425" cy="2980690"/>
           </a:xfrm>
           <a:prstGeom prst="rect">
             <a:avLst/>
